--- a/analysis/results/Vessel Study Updates.pptx
+++ b/analysis/results/Vessel Study Updates.pptx
@@ -142,10 +142,43 @@
 </p:presentation>
 </file>
 
+<file path=ppt/authors.xml><?xml version="1.0" encoding="utf-8"?>
+<p188:authorLst xmlns:a="http://schemas.openxmlformats.org/drawingml/2006/main" xmlns:r="http://schemas.openxmlformats.org/officeDocument/2006/relationships" xmlns:p188="http://schemas.microsoft.com/office/powerpoint/2018/8/main">
+  <p188:author id="{86639EAF-8455-709F-BF18-810BF708C5B8}" name="Bredenkamp, Sophie" initials="SB" userId="S::sbredenk@nrel.gov::b0430177-db33-48cd-bca8-ab94567ef0d6" providerId="AD"/>
+</p188:authorLst>
+</file>
+
 <file path=ppt/commentAuthors.xml><?xml version="1.0" encoding="utf-8"?>
 <p:cmAuthorLst xmlns:a="http://schemas.openxmlformats.org/drawingml/2006/main" xmlns:r="http://schemas.openxmlformats.org/officeDocument/2006/relationships" xmlns:p="http://schemas.openxmlformats.org/presentationml/2006/main">
   <p:cmAuthor id="0" name="Joelynn Schroeder" initials="" lastIdx="1" clrIdx="0"/>
 </p:cmAuthorLst>
+</file>
+
+<file path=ppt/comments/modernComment_13D_3F336BFB.xml><?xml version="1.0" encoding="utf-8"?>
+<p188:cmLst xmlns:a="http://schemas.openxmlformats.org/drawingml/2006/main" xmlns:r="http://schemas.openxmlformats.org/officeDocument/2006/relationships" xmlns:p188="http://schemas.microsoft.com/office/powerpoint/2018/8/main">
+  <p188:cm id="{D4C3C941-5211-4374-9D07-9EEE5A73F718}" authorId="{86639EAF-8455-709F-BF18-810BF708C5B8}" created="2024-07-26T14:46:36.943">
+    <ac:txMkLst xmlns:ac="http://schemas.microsoft.com/office/drawing/2013/main/command">
+      <pc:docMk xmlns:pc="http://schemas.microsoft.com/office/powerpoint/2013/main/command"/>
+      <pc:sldMk xmlns:pc="http://schemas.microsoft.com/office/powerpoint/2013/main/command" cId="1060334587" sldId="317"/>
+      <ac:spMk id="2" creationId="{2BC0044F-B852-4A57-4E70-F9D11239AA2E}"/>
+      <ac:txMk cp="26" len="8">
+        <ac:context len="35" hash="66389323"/>
+      </ac:txMk>
+    </ac:txMkLst>
+    <p188:pos x="6842235" y="488730"/>
+    <p188:txBody>
+      <a:bodyPr/>
+      <a:lstStyle/>
+      <a:p>
+        <a:r>
+          <a:rPr lang="en-US"/>
+          <a:t>Mark when last project enters pipeline/ shorten x axis?
+</a:t>
+        </a:r>
+      </a:p>
+    </p188:txBody>
+  </p188:cm>
+</p188:cmLst>
 </file>
 
 <file path=ppt/handoutMasters/handoutMaster1.xml><?xml version="1.0" encoding="utf-8"?>
@@ -242,7 +275,7 @@
           <a:p>
             <a:fld id="{CB2BFBF5-9F8A-40B1-88F4-AFAE0BF032A6}" type="datetimeFigureOut">
               <a:rPr lang="en-US" smtClean="0"/>
-              <a:t>7/25/2024</a:t>
+              <a:t>7/29/2024</a:t>
             </a:fld>
             <a:endParaRPr lang="en-US"/>
           </a:p>
@@ -419,7 +452,7 @@
           </a:lstStyle>
           <a:p>
             <a:fld id="{9D67FED6-1CE0-9E49-8E28-4BC1AFD39CD7}" type="datetimeFigureOut">
-              <a:t>7/25/2024</a:t>
+              <a:t>7/29/2024</a:t>
             </a:fld>
             <a:endParaRPr lang="en-US"/>
           </a:p>
@@ -33832,14 +33865,14 @@
           <p:nvPr/>
         </p:nvPicPr>
         <p:blipFill>
-          <a:blip r:embed="rId2"/>
+          <a:blip r:embed="rId3"/>
           <a:stretch>
             <a:fillRect/>
           </a:stretch>
         </p:blipFill>
         <p:spPr>
           <a:xfrm>
-            <a:off x="-91440" y="1073650"/>
+            <a:off x="210001" y="1018470"/>
             <a:ext cx="8531352" cy="3563601"/>
           </a:xfrm>
           <a:prstGeom prst="rect">
@@ -33857,6 +33890,11 @@
   <p:clrMapOvr>
     <a:masterClrMapping/>
   </p:clrMapOvr>
+  <p:extLst>
+    <p:ext uri="{6950BFC3-D8DA-4A85-94F7-54DA5524770B}">
+      <p188:commentRel xmlns:p188="http://schemas.microsoft.com/office/powerpoint/2018/8/main" r:id="rId2"/>
+    </p:ext>
+  </p:extLst>
 </p:sld>
 </file>
 
